--- a/Aula06-Widgets no Flutter/Aula06-Widgets no Flutter.pptx
+++ b/Aula06-Widgets no Flutter/Aula06-Widgets no Flutter.pptx
@@ -19,27 +19,20 @@
   <p:notesSz cx="6858000" cy="9144000"/>
   <p:embeddedFontLst>
     <p:embeddedFont>
-      <p:font typeface="Poppins Ultra-Bold" panose="020B0604020202020204" charset="0"/>
+      <p:font typeface="Lato" panose="020F0502020204030203" pitchFamily="34" charset="0"/>
       <p:regular r:id="rId11"/>
     </p:embeddedFont>
     <p:embeddedFont>
-      <p:font typeface="Calibri" panose="020F0502020204030204" pitchFamily="34" charset="0"/>
+      <p:font typeface="Lato Bold" panose="020F0502020204030203" charset="0"/>
       <p:regular r:id="rId12"/>
-      <p:bold r:id="rId13"/>
-      <p:italic r:id="rId14"/>
-      <p:boldItalic r:id="rId15"/>
     </p:embeddedFont>
     <p:embeddedFont>
       <p:font typeface="Poppins Bold" panose="020B0604020202020204" charset="0"/>
-      <p:regular r:id="rId16"/>
+      <p:regular r:id="rId13"/>
     </p:embeddedFont>
     <p:embeddedFont>
-      <p:font typeface="Lato" panose="020B0604020202020204" charset="0"/>
-      <p:regular r:id="rId17"/>
-    </p:embeddedFont>
-    <p:embeddedFont>
-      <p:font typeface="Lato Bold" panose="020B0604020202020204" charset="0"/>
-      <p:regular r:id="rId18"/>
+      <p:font typeface="Poppins Ultra-Bold" panose="020B0604020202020204" charset="0"/>
+      <p:regular r:id="rId14"/>
     </p:embeddedFont>
   </p:embeddedFontLst>
   <p:defaultTextStyle>
@@ -194,10 +187,9 @@
           <a:lstStyle/>
           <a:p>
             <a:r>
-              <a:rPr lang="en-US" smtClean="0"/>
+              <a:rPr lang="en-US"/>
               <a:t>Click to edit Master title style</a:t>
             </a:r>
-            <a:endParaRPr lang="en-US"/>
           </a:p>
         </p:txBody>
       </p:sp>
@@ -313,10 +305,9 @@
           </a:lstStyle>
           <a:p>
             <a:r>
-              <a:rPr lang="en-US" smtClean="0"/>
+              <a:rPr lang="en-US"/>
               <a:t>Click to edit Master subtitle style</a:t>
             </a:r>
-            <a:endParaRPr lang="en-US"/>
           </a:p>
         </p:txBody>
       </p:sp>
@@ -338,7 +329,7 @@
             <a:fld id="{1D8BD707-D9CF-40AE-B4C6-C98DA3205C09}" type="datetimeFigureOut">
               <a:rPr lang="en-US" smtClean="0"/>
               <a:pPr/>
-              <a:t>3/7/2024</a:t>
+              <a:t>11/24/2025</a:t>
             </a:fld>
             <a:endParaRPr lang="en-US"/>
           </a:p>
@@ -428,10 +419,9 @@
           <a:lstStyle/>
           <a:p>
             <a:r>
-              <a:rPr lang="en-US" smtClean="0"/>
+              <a:rPr lang="en-US"/>
               <a:t>Click to edit Master title style</a:t>
             </a:r>
-            <a:endParaRPr lang="en-US"/>
           </a:p>
         </p:txBody>
       </p:sp>
@@ -452,38 +442,37 @@
           <a:p>
             <a:pPr lvl="0"/>
             <a:r>
-              <a:rPr lang="en-US" smtClean="0"/>
+              <a:rPr lang="en-US"/>
               <a:t>Click to edit Master text styles</a:t>
             </a:r>
           </a:p>
           <a:p>
             <a:pPr lvl="1"/>
             <a:r>
-              <a:rPr lang="en-US" smtClean="0"/>
+              <a:rPr lang="en-US"/>
               <a:t>Second level</a:t>
             </a:r>
           </a:p>
           <a:p>
             <a:pPr lvl="2"/>
             <a:r>
-              <a:rPr lang="en-US" smtClean="0"/>
+              <a:rPr lang="en-US"/>
               <a:t>Third level</a:t>
             </a:r>
           </a:p>
           <a:p>
             <a:pPr lvl="3"/>
             <a:r>
-              <a:rPr lang="en-US" smtClean="0"/>
+              <a:rPr lang="en-US"/>
               <a:t>Fourth level</a:t>
             </a:r>
           </a:p>
           <a:p>
             <a:pPr lvl="4"/>
             <a:r>
-              <a:rPr lang="en-US" smtClean="0"/>
+              <a:rPr lang="en-US"/>
               <a:t>Fifth level</a:t>
             </a:r>
-            <a:endParaRPr lang="en-US"/>
           </a:p>
         </p:txBody>
       </p:sp>
@@ -505,7 +494,7 @@
             <a:fld id="{1D8BD707-D9CF-40AE-B4C6-C98DA3205C09}" type="datetimeFigureOut">
               <a:rPr lang="en-US" smtClean="0"/>
               <a:pPr/>
-              <a:t>3/7/2024</a:t>
+              <a:t>11/24/2025</a:t>
             </a:fld>
             <a:endParaRPr lang="en-US"/>
           </a:p>
@@ -600,10 +589,9 @@
           <a:lstStyle/>
           <a:p>
             <a:r>
-              <a:rPr lang="en-US" smtClean="0"/>
+              <a:rPr lang="en-US"/>
               <a:t>Click to edit Master title style</a:t>
             </a:r>
-            <a:endParaRPr lang="en-US"/>
           </a:p>
         </p:txBody>
       </p:sp>
@@ -629,38 +617,37 @@
           <a:p>
             <a:pPr lvl="0"/>
             <a:r>
-              <a:rPr lang="en-US" smtClean="0"/>
+              <a:rPr lang="en-US"/>
               <a:t>Click to edit Master text styles</a:t>
             </a:r>
           </a:p>
           <a:p>
             <a:pPr lvl="1"/>
             <a:r>
-              <a:rPr lang="en-US" smtClean="0"/>
+              <a:rPr lang="en-US"/>
               <a:t>Second level</a:t>
             </a:r>
           </a:p>
           <a:p>
             <a:pPr lvl="2"/>
             <a:r>
-              <a:rPr lang="en-US" smtClean="0"/>
+              <a:rPr lang="en-US"/>
               <a:t>Third level</a:t>
             </a:r>
           </a:p>
           <a:p>
             <a:pPr lvl="3"/>
             <a:r>
-              <a:rPr lang="en-US" smtClean="0"/>
+              <a:rPr lang="en-US"/>
               <a:t>Fourth level</a:t>
             </a:r>
           </a:p>
           <a:p>
             <a:pPr lvl="4"/>
             <a:r>
-              <a:rPr lang="en-US" smtClean="0"/>
+              <a:rPr lang="en-US"/>
               <a:t>Fifth level</a:t>
             </a:r>
-            <a:endParaRPr lang="en-US"/>
           </a:p>
         </p:txBody>
       </p:sp>
@@ -682,7 +669,7 @@
             <a:fld id="{1D8BD707-D9CF-40AE-B4C6-C98DA3205C09}" type="datetimeFigureOut">
               <a:rPr lang="en-US" smtClean="0"/>
               <a:pPr/>
-              <a:t>3/7/2024</a:t>
+              <a:t>11/24/2025</a:t>
             </a:fld>
             <a:endParaRPr lang="en-US"/>
           </a:p>
@@ -772,10 +759,9 @@
           <a:lstStyle/>
           <a:p>
             <a:r>
-              <a:rPr lang="en-US" smtClean="0"/>
+              <a:rPr lang="en-US"/>
               <a:t>Click to edit Master title style</a:t>
             </a:r>
-            <a:endParaRPr lang="en-US"/>
           </a:p>
         </p:txBody>
       </p:sp>
@@ -796,38 +782,37 @@
           <a:p>
             <a:pPr lvl="0"/>
             <a:r>
-              <a:rPr lang="en-US" smtClean="0"/>
+              <a:rPr lang="en-US"/>
               <a:t>Click to edit Master text styles</a:t>
             </a:r>
           </a:p>
           <a:p>
             <a:pPr lvl="1"/>
             <a:r>
-              <a:rPr lang="en-US" smtClean="0"/>
+              <a:rPr lang="en-US"/>
               <a:t>Second level</a:t>
             </a:r>
           </a:p>
           <a:p>
             <a:pPr lvl="2"/>
             <a:r>
-              <a:rPr lang="en-US" smtClean="0"/>
+              <a:rPr lang="en-US"/>
               <a:t>Third level</a:t>
             </a:r>
           </a:p>
           <a:p>
             <a:pPr lvl="3"/>
             <a:r>
-              <a:rPr lang="en-US" smtClean="0"/>
+              <a:rPr lang="en-US"/>
               <a:t>Fourth level</a:t>
             </a:r>
           </a:p>
           <a:p>
             <a:pPr lvl="4"/>
             <a:r>
-              <a:rPr lang="en-US" smtClean="0"/>
+              <a:rPr lang="en-US"/>
               <a:t>Fifth level</a:t>
             </a:r>
-            <a:endParaRPr lang="en-US"/>
           </a:p>
         </p:txBody>
       </p:sp>
@@ -849,7 +834,7 @@
             <a:fld id="{1D8BD707-D9CF-40AE-B4C6-C98DA3205C09}" type="datetimeFigureOut">
               <a:rPr lang="en-US" smtClean="0"/>
               <a:pPr/>
-              <a:t>3/7/2024</a:t>
+              <a:t>11/24/2025</a:t>
             </a:fld>
             <a:endParaRPr lang="en-US"/>
           </a:p>
@@ -948,10 +933,9 @@
           </a:lstStyle>
           <a:p>
             <a:r>
-              <a:rPr lang="en-US" smtClean="0"/>
+              <a:rPr lang="en-US"/>
               <a:t>Click to edit Master title style</a:t>
             </a:r>
-            <a:endParaRPr lang="en-US"/>
           </a:p>
         </p:txBody>
       </p:sp>
@@ -1068,7 +1052,7 @@
           <a:p>
             <a:pPr lvl="0"/>
             <a:r>
-              <a:rPr lang="en-US" smtClean="0"/>
+              <a:rPr lang="en-US"/>
               <a:t>Click to edit Master text styles</a:t>
             </a:r>
           </a:p>
@@ -1092,7 +1076,7 @@
             <a:fld id="{1D8BD707-D9CF-40AE-B4C6-C98DA3205C09}" type="datetimeFigureOut">
               <a:rPr lang="en-US" smtClean="0"/>
               <a:pPr/>
-              <a:t>3/7/2024</a:t>
+              <a:t>11/24/2025</a:t>
             </a:fld>
             <a:endParaRPr lang="en-US"/>
           </a:p>
@@ -1182,10 +1166,9 @@
           <a:lstStyle/>
           <a:p>
             <a:r>
-              <a:rPr lang="en-US" smtClean="0"/>
+              <a:rPr lang="en-US"/>
               <a:t>Click to edit Master title style</a:t>
             </a:r>
-            <a:endParaRPr lang="en-US"/>
           </a:p>
         </p:txBody>
       </p:sp>
@@ -1239,38 +1222,37 @@
           <a:p>
             <a:pPr lvl="0"/>
             <a:r>
-              <a:rPr lang="en-US" smtClean="0"/>
+              <a:rPr lang="en-US"/>
               <a:t>Click to edit Master text styles</a:t>
             </a:r>
           </a:p>
           <a:p>
             <a:pPr lvl="1"/>
             <a:r>
-              <a:rPr lang="en-US" smtClean="0"/>
+              <a:rPr lang="en-US"/>
               <a:t>Second level</a:t>
             </a:r>
           </a:p>
           <a:p>
             <a:pPr lvl="2"/>
             <a:r>
-              <a:rPr lang="en-US" smtClean="0"/>
+              <a:rPr lang="en-US"/>
               <a:t>Third level</a:t>
             </a:r>
           </a:p>
           <a:p>
             <a:pPr lvl="3"/>
             <a:r>
-              <a:rPr lang="en-US" smtClean="0"/>
+              <a:rPr lang="en-US"/>
               <a:t>Fourth level</a:t>
             </a:r>
           </a:p>
           <a:p>
             <a:pPr lvl="4"/>
             <a:r>
-              <a:rPr lang="en-US" smtClean="0"/>
+              <a:rPr lang="en-US"/>
               <a:t>Fifth level</a:t>
             </a:r>
-            <a:endParaRPr lang="en-US"/>
           </a:p>
         </p:txBody>
       </p:sp>
@@ -1324,38 +1306,37 @@
           <a:p>
             <a:pPr lvl="0"/>
             <a:r>
-              <a:rPr lang="en-US" smtClean="0"/>
+              <a:rPr lang="en-US"/>
               <a:t>Click to edit Master text styles</a:t>
             </a:r>
           </a:p>
           <a:p>
             <a:pPr lvl="1"/>
             <a:r>
-              <a:rPr lang="en-US" smtClean="0"/>
+              <a:rPr lang="en-US"/>
               <a:t>Second level</a:t>
             </a:r>
           </a:p>
           <a:p>
             <a:pPr lvl="2"/>
             <a:r>
-              <a:rPr lang="en-US" smtClean="0"/>
+              <a:rPr lang="en-US"/>
               <a:t>Third level</a:t>
             </a:r>
           </a:p>
           <a:p>
             <a:pPr lvl="3"/>
             <a:r>
-              <a:rPr lang="en-US" smtClean="0"/>
+              <a:rPr lang="en-US"/>
               <a:t>Fourth level</a:t>
             </a:r>
           </a:p>
           <a:p>
             <a:pPr lvl="4"/>
             <a:r>
-              <a:rPr lang="en-US" smtClean="0"/>
+              <a:rPr lang="en-US"/>
               <a:t>Fifth level</a:t>
             </a:r>
-            <a:endParaRPr lang="en-US"/>
           </a:p>
         </p:txBody>
       </p:sp>
@@ -1377,7 +1358,7 @@
             <a:fld id="{1D8BD707-D9CF-40AE-B4C6-C98DA3205C09}" type="datetimeFigureOut">
               <a:rPr lang="en-US" smtClean="0"/>
               <a:pPr/>
-              <a:t>3/7/2024</a:t>
+              <a:t>11/24/2025</a:t>
             </a:fld>
             <a:endParaRPr lang="en-US"/>
           </a:p>
@@ -1471,10 +1452,9 @@
           </a:lstStyle>
           <a:p>
             <a:r>
-              <a:rPr lang="en-US" smtClean="0"/>
+              <a:rPr lang="en-US"/>
               <a:t>Click to edit Master title style</a:t>
             </a:r>
-            <a:endParaRPr lang="en-US"/>
           </a:p>
         </p:txBody>
       </p:sp>
@@ -1537,7 +1517,7 @@
           <a:p>
             <a:pPr lvl="0"/>
             <a:r>
-              <a:rPr lang="en-US" smtClean="0"/>
+              <a:rPr lang="en-US"/>
               <a:t>Click to edit Master text styles</a:t>
             </a:r>
           </a:p>
@@ -1593,38 +1573,37 @@
           <a:p>
             <a:pPr lvl="0"/>
             <a:r>
-              <a:rPr lang="en-US" smtClean="0"/>
+              <a:rPr lang="en-US"/>
               <a:t>Click to edit Master text styles</a:t>
             </a:r>
           </a:p>
           <a:p>
             <a:pPr lvl="1"/>
             <a:r>
-              <a:rPr lang="en-US" smtClean="0"/>
+              <a:rPr lang="en-US"/>
               <a:t>Second level</a:t>
             </a:r>
           </a:p>
           <a:p>
             <a:pPr lvl="2"/>
             <a:r>
-              <a:rPr lang="en-US" smtClean="0"/>
+              <a:rPr lang="en-US"/>
               <a:t>Third level</a:t>
             </a:r>
           </a:p>
           <a:p>
             <a:pPr lvl="3"/>
             <a:r>
-              <a:rPr lang="en-US" smtClean="0"/>
+              <a:rPr lang="en-US"/>
               <a:t>Fourth level</a:t>
             </a:r>
           </a:p>
           <a:p>
             <a:pPr lvl="4"/>
             <a:r>
-              <a:rPr lang="en-US" smtClean="0"/>
+              <a:rPr lang="en-US"/>
               <a:t>Fifth level</a:t>
             </a:r>
-            <a:endParaRPr lang="en-US"/>
           </a:p>
         </p:txBody>
       </p:sp>
@@ -1687,7 +1666,7 @@
           <a:p>
             <a:pPr lvl="0"/>
             <a:r>
-              <a:rPr lang="en-US" smtClean="0"/>
+              <a:rPr lang="en-US"/>
               <a:t>Click to edit Master text styles</a:t>
             </a:r>
           </a:p>
@@ -1743,38 +1722,37 @@
           <a:p>
             <a:pPr lvl="0"/>
             <a:r>
-              <a:rPr lang="en-US" smtClean="0"/>
+              <a:rPr lang="en-US"/>
               <a:t>Click to edit Master text styles</a:t>
             </a:r>
           </a:p>
           <a:p>
             <a:pPr lvl="1"/>
             <a:r>
-              <a:rPr lang="en-US" smtClean="0"/>
+              <a:rPr lang="en-US"/>
               <a:t>Second level</a:t>
             </a:r>
           </a:p>
           <a:p>
             <a:pPr lvl="2"/>
             <a:r>
-              <a:rPr lang="en-US" smtClean="0"/>
+              <a:rPr lang="en-US"/>
               <a:t>Third level</a:t>
             </a:r>
           </a:p>
           <a:p>
             <a:pPr lvl="3"/>
             <a:r>
-              <a:rPr lang="en-US" smtClean="0"/>
+              <a:rPr lang="en-US"/>
               <a:t>Fourth level</a:t>
             </a:r>
           </a:p>
           <a:p>
             <a:pPr lvl="4"/>
             <a:r>
-              <a:rPr lang="en-US" smtClean="0"/>
+              <a:rPr lang="en-US"/>
               <a:t>Fifth level</a:t>
             </a:r>
-            <a:endParaRPr lang="en-US"/>
           </a:p>
         </p:txBody>
       </p:sp>
@@ -1796,7 +1774,7 @@
             <a:fld id="{1D8BD707-D9CF-40AE-B4C6-C98DA3205C09}" type="datetimeFigureOut">
               <a:rPr lang="en-US" smtClean="0"/>
               <a:pPr/>
-              <a:t>3/7/2024</a:t>
+              <a:t>11/24/2025</a:t>
             </a:fld>
             <a:endParaRPr lang="en-US"/>
           </a:p>
@@ -1886,10 +1864,9 @@
           <a:lstStyle/>
           <a:p>
             <a:r>
-              <a:rPr lang="en-US" smtClean="0"/>
+              <a:rPr lang="en-US"/>
               <a:t>Click to edit Master title style</a:t>
             </a:r>
-            <a:endParaRPr lang="en-US"/>
           </a:p>
         </p:txBody>
       </p:sp>
@@ -1911,7 +1888,7 @@
             <a:fld id="{1D8BD707-D9CF-40AE-B4C6-C98DA3205C09}" type="datetimeFigureOut">
               <a:rPr lang="en-US" smtClean="0"/>
               <a:pPr/>
-              <a:t>3/7/2024</a:t>
+              <a:t>11/24/2025</a:t>
             </a:fld>
             <a:endParaRPr lang="en-US"/>
           </a:p>
@@ -2003,7 +1980,7 @@
             <a:fld id="{1D8BD707-D9CF-40AE-B4C6-C98DA3205C09}" type="datetimeFigureOut">
               <a:rPr lang="en-US" smtClean="0"/>
               <a:pPr/>
-              <a:t>3/7/2024</a:t>
+              <a:t>11/24/2025</a:t>
             </a:fld>
             <a:endParaRPr lang="en-US"/>
           </a:p>
@@ -2102,10 +2079,9 @@
           </a:lstStyle>
           <a:p>
             <a:r>
-              <a:rPr lang="en-US" smtClean="0"/>
+              <a:rPr lang="en-US"/>
               <a:t>Click to edit Master title style</a:t>
             </a:r>
-            <a:endParaRPr lang="en-US"/>
           </a:p>
         </p:txBody>
       </p:sp>
@@ -2159,38 +2135,37 @@
           <a:p>
             <a:pPr lvl="0"/>
             <a:r>
-              <a:rPr lang="en-US" smtClean="0"/>
+              <a:rPr lang="en-US"/>
               <a:t>Click to edit Master text styles</a:t>
             </a:r>
           </a:p>
           <a:p>
             <a:pPr lvl="1"/>
             <a:r>
-              <a:rPr lang="en-US" smtClean="0"/>
+              <a:rPr lang="en-US"/>
               <a:t>Second level</a:t>
             </a:r>
           </a:p>
           <a:p>
             <a:pPr lvl="2"/>
             <a:r>
-              <a:rPr lang="en-US" smtClean="0"/>
+              <a:rPr lang="en-US"/>
               <a:t>Third level</a:t>
             </a:r>
           </a:p>
           <a:p>
             <a:pPr lvl="3"/>
             <a:r>
-              <a:rPr lang="en-US" smtClean="0"/>
+              <a:rPr lang="en-US"/>
               <a:t>Fourth level</a:t>
             </a:r>
           </a:p>
           <a:p>
             <a:pPr lvl="4"/>
             <a:r>
-              <a:rPr lang="en-US" smtClean="0"/>
+              <a:rPr lang="en-US"/>
               <a:t>Fifth level</a:t>
             </a:r>
-            <a:endParaRPr lang="en-US"/>
           </a:p>
         </p:txBody>
       </p:sp>
@@ -2253,7 +2228,7 @@
           <a:p>
             <a:pPr lvl="0"/>
             <a:r>
-              <a:rPr lang="en-US" smtClean="0"/>
+              <a:rPr lang="en-US"/>
               <a:t>Click to edit Master text styles</a:t>
             </a:r>
           </a:p>
@@ -2277,7 +2252,7 @@
             <a:fld id="{1D8BD707-D9CF-40AE-B4C6-C98DA3205C09}" type="datetimeFigureOut">
               <a:rPr lang="en-US" smtClean="0"/>
               <a:pPr/>
-              <a:t>3/7/2024</a:t>
+              <a:t>11/24/2025</a:t>
             </a:fld>
             <a:endParaRPr lang="en-US"/>
           </a:p>
@@ -2376,10 +2351,9 @@
           </a:lstStyle>
           <a:p>
             <a:r>
-              <a:rPr lang="en-US" smtClean="0"/>
+              <a:rPr lang="en-US"/>
               <a:t>Click to edit Master title style</a:t>
             </a:r>
-            <a:endParaRPr lang="en-US"/>
           </a:p>
         </p:txBody>
       </p:sp>
@@ -2503,7 +2477,7 @@
           <a:p>
             <a:pPr lvl="0"/>
             <a:r>
-              <a:rPr lang="en-US" smtClean="0"/>
+              <a:rPr lang="en-US"/>
               <a:t>Click to edit Master text styles</a:t>
             </a:r>
           </a:p>
@@ -2527,7 +2501,7 @@
             <a:fld id="{1D8BD707-D9CF-40AE-B4C6-C98DA3205C09}" type="datetimeFigureOut">
               <a:rPr lang="en-US" smtClean="0"/>
               <a:pPr/>
-              <a:t>3/7/2024</a:t>
+              <a:t>11/24/2025</a:t>
             </a:fld>
             <a:endParaRPr lang="en-US"/>
           </a:p>
@@ -2632,10 +2606,9 @@
           <a:lstStyle/>
           <a:p>
             <a:r>
-              <a:rPr lang="en-US" smtClean="0"/>
+              <a:rPr lang="en-US"/>
               <a:t>Click to edit Master title style</a:t>
             </a:r>
-            <a:endParaRPr lang="en-US"/>
           </a:p>
         </p:txBody>
       </p:sp>
@@ -2666,38 +2639,37 @@
           <a:p>
             <a:pPr lvl="0"/>
             <a:r>
-              <a:rPr lang="en-US" smtClean="0"/>
+              <a:rPr lang="en-US"/>
               <a:t>Click to edit Master text styles</a:t>
             </a:r>
           </a:p>
           <a:p>
             <a:pPr lvl="1"/>
             <a:r>
-              <a:rPr lang="en-US" smtClean="0"/>
+              <a:rPr lang="en-US"/>
               <a:t>Second level</a:t>
             </a:r>
           </a:p>
           <a:p>
             <a:pPr lvl="2"/>
             <a:r>
-              <a:rPr lang="en-US" smtClean="0"/>
+              <a:rPr lang="en-US"/>
               <a:t>Third level</a:t>
             </a:r>
           </a:p>
           <a:p>
             <a:pPr lvl="3"/>
             <a:r>
-              <a:rPr lang="en-US" smtClean="0"/>
+              <a:rPr lang="en-US"/>
               <a:t>Fourth level</a:t>
             </a:r>
           </a:p>
           <a:p>
             <a:pPr lvl="4"/>
             <a:r>
-              <a:rPr lang="en-US" smtClean="0"/>
+              <a:rPr lang="en-US"/>
               <a:t>Fifth level</a:t>
             </a:r>
-            <a:endParaRPr lang="en-US"/>
           </a:p>
         </p:txBody>
       </p:sp>
@@ -2737,7 +2709,7 @@
             <a:fld id="{1D8BD707-D9CF-40AE-B4C6-C98DA3205C09}" type="datetimeFigureOut">
               <a:rPr lang="en-US" smtClean="0"/>
               <a:pPr/>
-              <a:t>3/7/2024</a:t>
+              <a:t>11/24/2025</a:t>
             </a:fld>
             <a:endParaRPr lang="en-US"/>
           </a:p>
@@ -3161,6 +3133,13 @@
               <a:srgbClr val="5271FF"/>
             </a:solidFill>
           </p:spPr>
+          <p:txBody>
+            <a:bodyPr/>
+            <a:lstStyle/>
+            <a:p>
+              <a:endParaRPr lang="pt-BR"/>
+            </a:p>
+          </p:txBody>
         </p:sp>
       </p:grpSp>
       <p:grpSp>
@@ -3235,6 +3214,13 @@
               <a:srgbClr val="FFFFFF"/>
             </a:solidFill>
           </p:spPr>
+          <p:txBody>
+            <a:bodyPr/>
+            <a:lstStyle/>
+            <a:p>
+              <a:endParaRPr lang="pt-BR"/>
+            </a:p>
+          </p:txBody>
         </p:sp>
       </p:grpSp>
       <p:grpSp>
@@ -3309,6 +3295,13 @@
               <a:srgbClr val="2B4A9D"/>
             </a:solidFill>
           </p:spPr>
+          <p:txBody>
+            <a:bodyPr/>
+            <a:lstStyle/>
+            <a:p>
+              <a:endParaRPr lang="pt-BR"/>
+            </a:p>
+          </p:txBody>
         </p:sp>
       </p:grpSp>
       <p:sp>
@@ -3358,7 +3351,7 @@
         <p:spPr>
           <a:xfrm>
             <a:off x="1126559" y="7255615"/>
-            <a:ext cx="10419822" cy="1225550"/>
+            <a:ext cx="10419822" cy="3080395"/>
           </a:xfrm>
           <a:prstGeom prst="rect">
             <a:avLst/>
@@ -3376,14 +3369,117 @@
               </a:lnSpc>
             </a:pPr>
             <a:r>
+              <a:rPr lang="en-US" sz="3500" spc="350" dirty="0" err="1">
+                <a:solidFill>
+                  <a:srgbClr val="000000"/>
+                </a:solidFill>
+                <a:latin typeface="Lato"/>
+              </a:rPr>
+              <a:t>Apresentado</a:t>
+            </a:r>
+            <a:r>
+              <a:rPr lang="en-US" sz="3500" spc="350" dirty="0">
+                <a:solidFill>
+                  <a:srgbClr val="000000"/>
+                </a:solidFill>
+                <a:latin typeface="Lato"/>
+              </a:rPr>
+              <a:t> </a:t>
+            </a:r>
+            <a:r>
+              <a:rPr lang="en-US" sz="3500" spc="350" dirty="0" err="1">
+                <a:solidFill>
+                  <a:srgbClr val="000000"/>
+                </a:solidFill>
+                <a:latin typeface="Lato"/>
+              </a:rPr>
+              <a:t>por</a:t>
+            </a:r>
+            <a:r>
+              <a:rPr lang="en-US" sz="3500" spc="350" dirty="0">
+                <a:solidFill>
+                  <a:srgbClr val="000000"/>
+                </a:solidFill>
+                <a:latin typeface="Lato"/>
+              </a:rPr>
+              <a:t>:</a:t>
+            </a:r>
+          </a:p>
+          <a:p>
+            <a:pPr>
+              <a:lnSpc>
+                <a:spcPts val="4900"/>
+              </a:lnSpc>
+            </a:pPr>
+            <a:r>
               <a:rPr lang="en-US" sz="3500" spc="350">
                 <a:solidFill>
                   <a:srgbClr val="000000"/>
                 </a:solidFill>
                 <a:latin typeface="Lato"/>
               </a:rPr>
-              <a:t>Apresentado por: Eliane Dantas e Natalia Costa</a:t>
-            </a:r>
+              <a:t>Paulo Vitor</a:t>
+            </a:r>
+            <a:endParaRPr lang="en-US" sz="3500" spc="350" dirty="0">
+              <a:solidFill>
+                <a:srgbClr val="000000"/>
+              </a:solidFill>
+              <a:latin typeface="Lato"/>
+            </a:endParaRPr>
+          </a:p>
+          <a:p>
+            <a:pPr>
+              <a:lnSpc>
+                <a:spcPts val="4900"/>
+              </a:lnSpc>
+            </a:pPr>
+            <a:r>
+              <a:rPr lang="en-US" sz="3500" spc="350" dirty="0" err="1">
+                <a:solidFill>
+                  <a:srgbClr val="000000"/>
+                </a:solidFill>
+                <a:latin typeface="Lato"/>
+              </a:rPr>
+              <a:t>Talysson</a:t>
+            </a:r>
+            <a:r>
+              <a:rPr lang="en-US" sz="3500" spc="350" dirty="0">
+                <a:solidFill>
+                  <a:srgbClr val="000000"/>
+                </a:solidFill>
+                <a:latin typeface="Lato"/>
+              </a:rPr>
+              <a:t> Vasconcelos</a:t>
+            </a:r>
+          </a:p>
+          <a:p>
+            <a:pPr>
+              <a:lnSpc>
+                <a:spcPts val="4900"/>
+              </a:lnSpc>
+            </a:pPr>
+            <a:r>
+              <a:rPr lang="en-US" sz="3500" spc="350" dirty="0">
+                <a:solidFill>
+                  <a:srgbClr val="000000"/>
+                </a:solidFill>
+                <a:latin typeface="Lato"/>
+              </a:rPr>
+              <a:t>João Hungria</a:t>
+            </a:r>
+          </a:p>
+          <a:p>
+            <a:pPr>
+              <a:lnSpc>
+                <a:spcPts val="4900"/>
+              </a:lnSpc>
+            </a:pPr>
+            <a:endParaRPr lang="en-US" sz="3500" spc="350" dirty="0">
+              <a:solidFill>
+                <a:srgbClr val="000000"/>
+              </a:solidFill>
+              <a:latin typeface="Lato"/>
+            </a:endParaRPr>
           </a:p>
         </p:txBody>
       </p:sp>
@@ -3430,7 +3526,7 @@
               <a:alphaModFix amt="69000"/>
               <a:extLst>
                 <a:ext uri="{96DAC541-7B7A-43D3-8B79-37D633B846F1}">
-                  <asvg:svgBlip xmlns:asvg="http://schemas.microsoft.com/office/drawing/2016/SVG/main" xmlns="" r:embed="rId3"/>
+                  <asvg:svgBlip xmlns:asvg="http://schemas.microsoft.com/office/drawing/2016/SVG/main" r:embed="rId3"/>
                 </a:ext>
               </a:extLst>
             </a:blip>
@@ -3439,6 +3535,13 @@
             </a:stretch>
           </a:blipFill>
         </p:spPr>
+        <p:txBody>
+          <a:bodyPr/>
+          <a:lstStyle/>
+          <a:p>
+            <a:endParaRPr lang="pt-BR"/>
+          </a:p>
+        </p:txBody>
       </p:sp>
       <p:grpSp>
         <p:nvGrpSpPr>
@@ -3493,6 +3596,13 @@
               <a:srgbClr val="2B4A9D"/>
             </a:solidFill>
           </p:spPr>
+          <p:txBody>
+            <a:bodyPr/>
+            <a:lstStyle/>
+            <a:p>
+              <a:endParaRPr lang="pt-BR"/>
+            </a:p>
+          </p:txBody>
         </p:sp>
       </p:grpSp>
     </p:spTree>
@@ -3500,13 +3610,6 @@
   <p:clrMapOvr>
     <a:masterClrMapping/>
   </p:clrMapOvr>
-  <p:timing>
-    <p:tnLst>
-      <p:par>
-        <p:cTn id="1" dur="indefinite" restart="never" nodeType="tmRoot"/>
-      </p:par>
-    </p:tnLst>
-  </p:timing>
 </p:sld>
 </file>
 
@@ -3580,6 +3683,13 @@
               <a:srgbClr val="2B4A9D"/>
             </a:solidFill>
           </p:spPr>
+          <p:txBody>
+            <a:bodyPr/>
+            <a:lstStyle/>
+            <a:p>
+              <a:endParaRPr lang="pt-BR"/>
+            </a:p>
+          </p:txBody>
         </p:sp>
       </p:grpSp>
       <p:grpSp>
@@ -3635,6 +3745,13 @@
               <a:srgbClr val="2B4A9D"/>
             </a:solidFill>
           </p:spPr>
+          <p:txBody>
+            <a:bodyPr/>
+            <a:lstStyle/>
+            <a:p>
+              <a:endParaRPr lang="pt-BR"/>
+            </a:p>
+          </p:txBody>
         </p:sp>
       </p:grpSp>
       <p:grpSp>
@@ -3709,6 +3826,13 @@
               <a:srgbClr val="FFFFFF"/>
             </a:solidFill>
           </p:spPr>
+          <p:txBody>
+            <a:bodyPr/>
+            <a:lstStyle/>
+            <a:p>
+              <a:endParaRPr lang="pt-BR"/>
+            </a:p>
+          </p:txBody>
         </p:sp>
       </p:grpSp>
       <p:grpSp>
@@ -3783,6 +3907,13 @@
               <a:srgbClr val="2B4A9D"/>
             </a:solidFill>
           </p:spPr>
+          <p:txBody>
+            <a:bodyPr/>
+            <a:lstStyle/>
+            <a:p>
+              <a:endParaRPr lang="pt-BR"/>
+            </a:p>
+          </p:txBody>
         </p:sp>
       </p:grpSp>
       <p:grpSp>
@@ -3857,6 +3988,13 @@
               <a:srgbClr val="2B4A9D"/>
             </a:solidFill>
           </p:spPr>
+          <p:txBody>
+            <a:bodyPr/>
+            <a:lstStyle/>
+            <a:p>
+              <a:endParaRPr lang="pt-BR"/>
+            </a:p>
+          </p:txBody>
         </p:sp>
       </p:grpSp>
       <p:grpSp>
@@ -3937,6 +4075,13 @@
               <a:srgbClr val="2B4A9D"/>
             </a:solidFill>
           </p:spPr>
+          <p:txBody>
+            <a:bodyPr/>
+            <a:lstStyle/>
+            <a:p>
+              <a:endParaRPr lang="pt-BR"/>
+            </a:p>
+          </p:txBody>
         </p:sp>
       </p:grpSp>
       <p:sp>
@@ -4055,6 +4200,13 @@
               <a:srgbClr val="2B4A9D"/>
             </a:solidFill>
           </p:spPr>
+          <p:txBody>
+            <a:bodyPr/>
+            <a:lstStyle/>
+            <a:p>
+              <a:endParaRPr lang="pt-BR"/>
+            </a:p>
+          </p:txBody>
         </p:sp>
       </p:grpSp>
       <p:grpSp>
@@ -4135,6 +4287,13 @@
               <a:srgbClr val="2B4A9D"/>
             </a:solidFill>
           </p:spPr>
+          <p:txBody>
+            <a:bodyPr/>
+            <a:lstStyle/>
+            <a:p>
+              <a:endParaRPr lang="pt-BR"/>
+            </a:p>
+          </p:txBody>
         </p:sp>
       </p:grpSp>
       <p:grpSp>
@@ -4215,6 +4374,13 @@
               <a:srgbClr val="2B4A9D"/>
             </a:solidFill>
           </p:spPr>
+          <p:txBody>
+            <a:bodyPr/>
+            <a:lstStyle/>
+            <a:p>
+              <a:endParaRPr lang="pt-BR"/>
+            </a:p>
+          </p:txBody>
         </p:sp>
       </p:grpSp>
       <p:grpSp>
@@ -4295,6 +4461,13 @@
               <a:srgbClr val="2B4A9D"/>
             </a:solidFill>
           </p:spPr>
+          <p:txBody>
+            <a:bodyPr/>
+            <a:lstStyle/>
+            <a:p>
+              <a:endParaRPr lang="pt-BR"/>
+            </a:p>
+          </p:txBody>
         </p:sp>
       </p:grpSp>
       <p:sp>
@@ -4554,6 +4727,13 @@
               <a:srgbClr val="2B4A9D"/>
             </a:solidFill>
           </p:spPr>
+          <p:txBody>
+            <a:bodyPr/>
+            <a:lstStyle/>
+            <a:p>
+              <a:endParaRPr lang="pt-BR"/>
+            </a:p>
+          </p:txBody>
         </p:sp>
       </p:grpSp>
       <p:sp>
@@ -4599,13 +4779,6 @@
   <p:clrMapOvr>
     <a:masterClrMapping/>
   </p:clrMapOvr>
-  <p:timing>
-    <p:tnLst>
-      <p:par>
-        <p:cTn id="1" dur="indefinite" restart="never" nodeType="tmRoot"/>
-      </p:par>
-    </p:tnLst>
-  </p:timing>
 </p:sld>
 </file>
 
@@ -4679,6 +4852,13 @@
               <a:srgbClr val="5271FF"/>
             </a:solidFill>
           </p:spPr>
+          <p:txBody>
+            <a:bodyPr/>
+            <a:lstStyle/>
+            <a:p>
+              <a:endParaRPr lang="pt-BR"/>
+            </a:p>
+          </p:txBody>
         </p:sp>
       </p:grpSp>
       <p:grpSp>
@@ -4753,6 +4933,13 @@
               <a:srgbClr val="FFFFFF"/>
             </a:solidFill>
           </p:spPr>
+          <p:txBody>
+            <a:bodyPr/>
+            <a:lstStyle/>
+            <a:p>
+              <a:endParaRPr lang="pt-BR"/>
+            </a:p>
+          </p:txBody>
         </p:sp>
       </p:grpSp>
       <p:grpSp>
@@ -4827,6 +5014,13 @@
               <a:srgbClr val="2B4A9D"/>
             </a:solidFill>
           </p:spPr>
+          <p:txBody>
+            <a:bodyPr/>
+            <a:lstStyle/>
+            <a:p>
+              <a:endParaRPr lang="pt-BR"/>
+            </a:p>
+          </p:txBody>
         </p:sp>
       </p:grpSp>
       <p:grpSp>
@@ -4901,6 +5095,13 @@
               <a:srgbClr val="2B4A9D"/>
             </a:solidFill>
           </p:spPr>
+          <p:txBody>
+            <a:bodyPr/>
+            <a:lstStyle/>
+            <a:p>
+              <a:endParaRPr lang="pt-BR"/>
+            </a:p>
+          </p:txBody>
         </p:sp>
       </p:grpSp>
       <p:sp>
@@ -4994,6 +5195,13 @@
               <a:srgbClr val="2B4A9D"/>
             </a:solidFill>
           </p:spPr>
+          <p:txBody>
+            <a:bodyPr/>
+            <a:lstStyle/>
+            <a:p>
+              <a:endParaRPr lang="pt-BR"/>
+            </a:p>
+          </p:txBody>
         </p:sp>
       </p:grpSp>
       <p:sp>
@@ -5072,13 +5280,6 @@
   <p:clrMapOvr>
     <a:masterClrMapping/>
   </p:clrMapOvr>
-  <p:timing>
-    <p:tnLst>
-      <p:par>
-        <p:cTn id="1" dur="indefinite" restart="never" nodeType="tmRoot"/>
-      </p:par>
-    </p:tnLst>
-  </p:timing>
 </p:sld>
 </file>
 
@@ -5152,6 +5353,13 @@
               <a:srgbClr val="2B4A9D"/>
             </a:solidFill>
           </p:spPr>
+          <p:txBody>
+            <a:bodyPr/>
+            <a:lstStyle/>
+            <a:p>
+              <a:endParaRPr lang="pt-BR"/>
+            </a:p>
+          </p:txBody>
         </p:sp>
       </p:grpSp>
       <p:sp>
@@ -5199,6 +5407,13 @@
             </a:stretch>
           </a:blipFill>
         </p:spPr>
+        <p:txBody>
+          <a:bodyPr/>
+          <a:lstStyle/>
+          <a:p>
+            <a:endParaRPr lang="pt-BR"/>
+          </a:p>
+        </p:txBody>
       </p:sp>
       <p:sp>
         <p:nvSpPr>
@@ -5477,14 +5692,14 @@
               <a:t>: </a:t>
             </a:r>
             <a:r>
-              <a:rPr lang="en-US" spc="249" dirty="0" smtClean="0">
+              <a:rPr lang="en-US" spc="249" dirty="0">
                 <a:solidFill>
                   <a:srgbClr val="000000"/>
                 </a:solidFill>
                 <a:latin typeface="Lato"/>
                 <a:hlinkClick r:id="rId3"/>
               </a:rPr>
-              <a:t>https</a:t>
+              <a:t>https://medium.com/tableless/entendendo-os-tipos-de-widgets-do-flutter-de9bb9296bf6</a:t>
             </a:r>
             <a:r>
               <a:rPr lang="en-US" spc="249" dirty="0">
@@ -5492,35 +5707,9 @@
                   <a:srgbClr val="000000"/>
                 </a:solidFill>
                 <a:latin typeface="Lato"/>
-                <a:hlinkClick r:id="rId3"/>
-              </a:rPr>
-              <a:t>://</a:t>
-            </a:r>
-            <a:r>
-              <a:rPr lang="en-US" spc="249" dirty="0" smtClean="0">
-                <a:solidFill>
-                  <a:srgbClr val="000000"/>
-                </a:solidFill>
-                <a:latin typeface="Lato"/>
-                <a:hlinkClick r:id="rId3"/>
-              </a:rPr>
-              <a:t>medium.com/tableless/entendendo-os-tipos-de-widgets-do-flutter-de9bb9296bf6</a:t>
-            </a:r>
-            <a:r>
-              <a:rPr lang="en-US" spc="249" dirty="0" smtClean="0">
-                <a:solidFill>
-                  <a:srgbClr val="000000"/>
-                </a:solidFill>
-                <a:latin typeface="Lato"/>
               </a:rPr>
               <a:t>.</a:t>
             </a:r>
-            <a:endParaRPr lang="en-US" spc="249" dirty="0">
-              <a:solidFill>
-                <a:srgbClr val="000000"/>
-              </a:solidFill>
-              <a:latin typeface="Lato"/>
-            </a:endParaRPr>
           </a:p>
         </p:txBody>
       </p:sp>
@@ -5529,13 +5718,6 @@
   <p:clrMapOvr>
     <a:masterClrMapping/>
   </p:clrMapOvr>
-  <p:timing>
-    <p:tnLst>
-      <p:par>
-        <p:cTn id="1" dur="indefinite" restart="never" nodeType="tmRoot"/>
-      </p:par>
-    </p:tnLst>
-  </p:timing>
 </p:sld>
 </file>
 
@@ -5609,6 +5791,13 @@
               <a:srgbClr val="2B4A9D"/>
             </a:solidFill>
           </p:spPr>
+          <p:txBody>
+            <a:bodyPr/>
+            <a:lstStyle/>
+            <a:p>
+              <a:endParaRPr lang="pt-BR"/>
+            </a:p>
+          </p:txBody>
         </p:sp>
       </p:grpSp>
       <p:sp>
@@ -5656,6 +5845,13 @@
             </a:stretch>
           </a:blipFill>
         </p:spPr>
+        <p:txBody>
+          <a:bodyPr/>
+          <a:lstStyle/>
+          <a:p>
+            <a:endParaRPr lang="pt-BR"/>
+          </a:p>
+        </p:txBody>
       </p:sp>
       <p:sp>
         <p:nvSpPr>
@@ -5916,14 +6112,14 @@
               <a:t>: </a:t>
             </a:r>
             <a:r>
-              <a:rPr lang="en-US" spc="249" dirty="0" smtClean="0">
+              <a:rPr lang="en-US" spc="249" dirty="0">
                 <a:solidFill>
                   <a:srgbClr val="000000"/>
                 </a:solidFill>
                 <a:latin typeface="Lato"/>
                 <a:hlinkClick r:id="rId3"/>
               </a:rPr>
-              <a:t>https</a:t>
+              <a:t>https://medium.com/tableless/entendendo-os-tipos-de-widgets-do-flutter-de9bb9296bf6</a:t>
             </a:r>
             <a:r>
               <a:rPr lang="en-US" spc="249" dirty="0">
@@ -5931,35 +6127,9 @@
                   <a:srgbClr val="000000"/>
                 </a:solidFill>
                 <a:latin typeface="Lato"/>
-                <a:hlinkClick r:id="rId3"/>
-              </a:rPr>
-              <a:t>://</a:t>
-            </a:r>
-            <a:r>
-              <a:rPr lang="en-US" spc="249" dirty="0" smtClean="0">
-                <a:solidFill>
-                  <a:srgbClr val="000000"/>
-                </a:solidFill>
-                <a:latin typeface="Lato"/>
-                <a:hlinkClick r:id="rId3"/>
-              </a:rPr>
-              <a:t>medium.com/tableless/entendendo-os-tipos-de-widgets-do-flutter-de9bb9296bf6</a:t>
-            </a:r>
-            <a:r>
-              <a:rPr lang="en-US" spc="249" dirty="0" smtClean="0">
-                <a:solidFill>
-                  <a:srgbClr val="000000"/>
-                </a:solidFill>
-                <a:latin typeface="Lato"/>
               </a:rPr>
               <a:t>.</a:t>
             </a:r>
-            <a:endParaRPr lang="en-US" spc="249" dirty="0">
-              <a:solidFill>
-                <a:srgbClr val="000000"/>
-              </a:solidFill>
-              <a:latin typeface="Lato"/>
-            </a:endParaRPr>
           </a:p>
         </p:txBody>
       </p:sp>
@@ -5968,13 +6138,6 @@
   <p:clrMapOvr>
     <a:masterClrMapping/>
   </p:clrMapOvr>
-  <p:timing>
-    <p:tnLst>
-      <p:par>
-        <p:cTn id="1" dur="indefinite" restart="never" nodeType="tmRoot"/>
-      </p:par>
-    </p:tnLst>
-  </p:timing>
 </p:sld>
 </file>
 
@@ -6048,6 +6211,13 @@
               <a:srgbClr val="2B4A9D"/>
             </a:solidFill>
           </p:spPr>
+          <p:txBody>
+            <a:bodyPr/>
+            <a:lstStyle/>
+            <a:p>
+              <a:endParaRPr lang="pt-BR"/>
+            </a:p>
+          </p:txBody>
         </p:sp>
       </p:grpSp>
       <p:sp>
@@ -6291,13 +6461,6 @@
   <p:clrMapOvr>
     <a:masterClrMapping/>
   </p:clrMapOvr>
-  <p:timing>
-    <p:tnLst>
-      <p:par>
-        <p:cTn id="1" dur="indefinite" restart="never" nodeType="tmRoot"/>
-      </p:par>
-    </p:tnLst>
-  </p:timing>
 </p:sld>
 </file>
 
@@ -6371,6 +6534,13 @@
               <a:srgbClr val="2B4A9D"/>
             </a:solidFill>
           </p:spPr>
+          <p:txBody>
+            <a:bodyPr/>
+            <a:lstStyle/>
+            <a:p>
+              <a:endParaRPr lang="pt-BR"/>
+            </a:p>
+          </p:txBody>
         </p:sp>
       </p:grpSp>
       <p:sp>
@@ -6574,13 +6744,6 @@
   <p:clrMapOvr>
     <a:masterClrMapping/>
   </p:clrMapOvr>
-  <p:timing>
-    <p:tnLst>
-      <p:par>
-        <p:cTn id="1" dur="indefinite" restart="never" nodeType="tmRoot"/>
-      </p:par>
-    </p:tnLst>
-  </p:timing>
 </p:sld>
 </file>
 
@@ -6646,6 +6809,13 @@
             </a:stretch>
           </a:blipFill>
         </p:spPr>
+        <p:txBody>
+          <a:bodyPr/>
+          <a:lstStyle/>
+          <a:p>
+            <a:endParaRPr lang="pt-BR"/>
+          </a:p>
+        </p:txBody>
       </p:sp>
       <p:sp>
         <p:nvSpPr>
@@ -6692,6 +6862,13 @@
             </a:stretch>
           </a:blipFill>
         </p:spPr>
+        <p:txBody>
+          <a:bodyPr/>
+          <a:lstStyle/>
+          <a:p>
+            <a:endParaRPr lang="pt-BR"/>
+          </a:p>
+        </p:txBody>
       </p:sp>
       <p:sp>
         <p:nvSpPr>
@@ -6836,13 +7013,6 @@
   <p:clrMapOvr>
     <a:masterClrMapping/>
   </p:clrMapOvr>
-  <p:timing>
-    <p:tnLst>
-      <p:par>
-        <p:cTn id="1" dur="indefinite" restart="never" nodeType="tmRoot"/>
-      </p:par>
-    </p:tnLst>
-  </p:timing>
 </p:sld>
 </file>
 
@@ -6916,6 +7086,13 @@
               <a:srgbClr val="2B4A9D"/>
             </a:solidFill>
           </p:spPr>
+          <p:txBody>
+            <a:bodyPr/>
+            <a:lstStyle/>
+            <a:p>
+              <a:endParaRPr lang="pt-BR"/>
+            </a:p>
+          </p:txBody>
         </p:sp>
       </p:grpSp>
       <p:sp>
@@ -7109,37 +7286,17 @@
               <a:t>: </a:t>
             </a:r>
             <a:r>
-              <a:rPr lang="en-US" sz="3200" spc="320" dirty="0" smtClean="0">
+              <a:rPr lang="en-US" sz="3200" spc="320" dirty="0">
                 <a:solidFill>
                   <a:srgbClr val="000000"/>
                 </a:solidFill>
                 <a:latin typeface="Lato"/>
                 <a:hlinkClick r:id="rId2"/>
               </a:rPr>
-              <a:t>https</a:t>
+              <a:t>https://medium.com/tableless/entendendo-os-tipos-de-widgets-do-flutter-de9bb9296bf6</a:t>
             </a:r>
             <a:r>
               <a:rPr lang="en-US" sz="3200" spc="320" dirty="0">
-                <a:solidFill>
-                  <a:srgbClr val="000000"/>
-                </a:solidFill>
-                <a:latin typeface="Lato"/>
-                <a:hlinkClick r:id="rId2"/>
-              </a:rPr>
-              <a:t>://</a:t>
-            </a:r>
-            <a:r>
-              <a:rPr lang="en-US" sz="3200" spc="320" dirty="0" smtClean="0">
-                <a:solidFill>
-                  <a:srgbClr val="000000"/>
-                </a:solidFill>
-                <a:latin typeface="Lato"/>
-                <a:hlinkClick r:id="rId2"/>
-              </a:rPr>
-              <a:t>medium.com/tableless/entendendo-os-tipos-de-widgets-do-flutter-de9bb9296bf6</a:t>
-            </a:r>
-            <a:r>
-              <a:rPr lang="en-US" sz="3200" spc="320" dirty="0" smtClean="0">
                 <a:solidFill>
                   <a:srgbClr val="000000"/>
                 </a:solidFill>
@@ -7258,37 +7415,17 @@
               <a:t>: </a:t>
             </a:r>
             <a:r>
-              <a:rPr lang="en-US" sz="3200" spc="320" dirty="0" smtClean="0">
+              <a:rPr lang="en-US" sz="3200" spc="320" dirty="0">
                 <a:solidFill>
                   <a:srgbClr val="000000"/>
                 </a:solidFill>
                 <a:latin typeface="Lato"/>
                 <a:hlinkClick r:id="rId3"/>
               </a:rPr>
-              <a:t>https</a:t>
+              <a:t>https://docs.flutter.dev/ui</a:t>
             </a:r>
             <a:r>
               <a:rPr lang="en-US" sz="3200" spc="320" dirty="0">
-                <a:solidFill>
-                  <a:srgbClr val="000000"/>
-                </a:solidFill>
-                <a:latin typeface="Lato"/>
-                <a:hlinkClick r:id="rId3"/>
-              </a:rPr>
-              <a:t>://</a:t>
-            </a:r>
-            <a:r>
-              <a:rPr lang="en-US" sz="3200" spc="320" dirty="0" smtClean="0">
-                <a:solidFill>
-                  <a:srgbClr val="000000"/>
-                </a:solidFill>
-                <a:latin typeface="Lato"/>
-                <a:hlinkClick r:id="rId3"/>
-              </a:rPr>
-              <a:t>docs.flutter.dev/ui</a:t>
-            </a:r>
-            <a:r>
-              <a:rPr lang="en-US" sz="3200" spc="320" dirty="0" smtClean="0">
                 <a:solidFill>
                   <a:srgbClr val="000000"/>
                 </a:solidFill>
@@ -7340,13 +7477,6 @@
   <p:clrMapOvr>
     <a:masterClrMapping/>
   </p:clrMapOvr>
-  <p:timing>
-    <p:tnLst>
-      <p:par>
-        <p:cTn id="1" dur="indefinite" restart="never" nodeType="tmRoot"/>
-      </p:par>
-    </p:tnLst>
-  </p:timing>
 </p:sld>
 </file>
 
